--- a/materials/slides/7.2.pptx
+++ b/materials/slides/7.2.pptx
@@ -217,7 +217,7 @@
           <a:p>
             <a:fld id="{5ECE1B1D-F8A5-45D0-9C0B-CA3964750FAA}" type="datetimeFigureOut">
               <a:rPr lang="zh-CN" altLang="en-US" smtClean="0"/>
-              <a:t>2019/10/25</a:t>
+              <a:t>2019/11/18</a:t>
             </a:fld>
             <a:endParaRPr lang="zh-CN" altLang="en-US"/>
           </a:p>
@@ -624,6 +624,30 @@
           <a:bodyPr/>
           <a:lstStyle/>
           <a:p>
+            <a:r>
+              <a:rPr lang="en-US" altLang="zh-CN" dirty="0" err="1" smtClean="0"/>
+              <a:t>JUnit</a:t>
+            </a:r>
+            <a:r>
+              <a:rPr lang="zh-CN" altLang="en-US" dirty="0" smtClean="0"/>
+              <a:t>只在</a:t>
+            </a:r>
+            <a:r>
+              <a:rPr lang="en-US" altLang="zh-CN" dirty="0" err="1" smtClean="0"/>
+              <a:t>classpath</a:t>
+            </a:r>
+            <a:r>
+              <a:rPr lang="zh-CN" altLang="en-US" dirty="0" smtClean="0"/>
+              <a:t>中查找指定的</a:t>
+            </a:r>
+            <a:r>
+              <a:rPr lang="en-US" altLang="zh-CN" dirty="0" smtClean="0"/>
+              <a:t>CSV</a:t>
+            </a:r>
+            <a:r>
+              <a:rPr lang="zh-CN" altLang="en-US" smtClean="0"/>
+              <a:t>文件</a:t>
+            </a:r>
             <a:endParaRPr lang="zh-CN" altLang="en-US" dirty="0"/>
           </a:p>
         </p:txBody>
@@ -2036,7 +2060,7 @@
           <a:p>
             <a:fld id="{530820CF-B880-4189-942D-D702A7CBA730}" type="datetimeFigureOut">
               <a:rPr lang="zh-CN" altLang="en-US" smtClean="0"/>
-              <a:t>2019/10/25</a:t>
+              <a:t>2019/11/18</a:t>
             </a:fld>
             <a:endParaRPr lang="zh-CN" altLang="en-US"/>
           </a:p>
@@ -2240,7 +2264,7 @@
           <a:p>
             <a:fld id="{530820CF-B880-4189-942D-D702A7CBA730}" type="datetimeFigureOut">
               <a:rPr lang="zh-CN" altLang="en-US" smtClean="0"/>
-              <a:t>2019/10/25</a:t>
+              <a:t>2019/11/18</a:t>
             </a:fld>
             <a:endParaRPr lang="zh-CN" altLang="en-US"/>
           </a:p>
@@ -2454,7 +2478,7 @@
           <a:p>
             <a:fld id="{530820CF-B880-4189-942D-D702A7CBA730}" type="datetimeFigureOut">
               <a:rPr lang="zh-CN" altLang="en-US" smtClean="0"/>
-              <a:t>2019/10/25</a:t>
+              <a:t>2019/11/18</a:t>
             </a:fld>
             <a:endParaRPr lang="zh-CN" altLang="en-US"/>
           </a:p>
@@ -2725,7 +2749,7 @@
           <a:p>
             <a:fld id="{530820CF-B880-4189-942D-D702A7CBA730}" type="datetimeFigureOut">
               <a:rPr lang="zh-CN" altLang="en-US" smtClean="0"/>
-              <a:t>2019/10/25</a:t>
+              <a:t>2019/11/18</a:t>
             </a:fld>
             <a:endParaRPr lang="zh-CN" altLang="en-US"/>
           </a:p>
@@ -3776,7 +3800,7 @@
           <a:p>
             <a:fld id="{530820CF-B880-4189-942D-D702A7CBA730}" type="datetimeFigureOut">
               <a:rPr lang="zh-CN" altLang="en-US" smtClean="0"/>
-              <a:t>2019/10/25</a:t>
+              <a:t>2019/11/18</a:t>
             </a:fld>
             <a:endParaRPr lang="zh-CN" altLang="en-US"/>
           </a:p>
@@ -3967,7 +3991,7 @@
           <a:p>
             <a:fld id="{530820CF-B880-4189-942D-D702A7CBA730}" type="datetimeFigureOut">
               <a:rPr lang="zh-CN" altLang="en-US" smtClean="0"/>
-              <a:t>2019/10/25</a:t>
+              <a:t>2019/11/18</a:t>
             </a:fld>
             <a:endParaRPr lang="zh-CN" altLang="en-US"/>
           </a:p>
@@ -4289,7 +4313,7 @@
           <a:p>
             <a:fld id="{530820CF-B880-4189-942D-D702A7CBA730}" type="datetimeFigureOut">
               <a:rPr lang="zh-CN" altLang="en-US" smtClean="0"/>
-              <a:t>2019/10/25</a:t>
+              <a:t>2019/11/18</a:t>
             </a:fld>
             <a:endParaRPr lang="zh-CN" altLang="en-US"/>
           </a:p>
@@ -4750,7 +4774,7 @@
           <a:p>
             <a:fld id="{530820CF-B880-4189-942D-D702A7CBA730}" type="datetimeFigureOut">
               <a:rPr lang="zh-CN" altLang="en-US" smtClean="0"/>
-              <a:t>2019/10/25</a:t>
+              <a:t>2019/11/18</a:t>
             </a:fld>
             <a:endParaRPr lang="zh-CN" altLang="en-US"/>
           </a:p>
@@ -4902,7 +4926,7 @@
           <a:p>
             <a:fld id="{530820CF-B880-4189-942D-D702A7CBA730}" type="datetimeFigureOut">
               <a:rPr lang="zh-CN" altLang="en-US" smtClean="0"/>
-              <a:t>2019/10/25</a:t>
+              <a:t>2019/11/18</a:t>
             </a:fld>
             <a:endParaRPr lang="zh-CN" altLang="en-US"/>
           </a:p>
@@ -5031,7 +5055,7 @@
           <a:p>
             <a:fld id="{530820CF-B880-4189-942D-D702A7CBA730}" type="datetimeFigureOut">
               <a:rPr lang="zh-CN" altLang="en-US" smtClean="0"/>
-              <a:t>2019/10/25</a:t>
+              <a:t>2019/11/18</a:t>
             </a:fld>
             <a:endParaRPr lang="zh-CN" altLang="en-US"/>
           </a:p>
@@ -5342,7 +5366,7 @@
           <a:p>
             <a:fld id="{530820CF-B880-4189-942D-D702A7CBA730}" type="datetimeFigureOut">
               <a:rPr lang="zh-CN" altLang="en-US" smtClean="0"/>
-              <a:t>2019/10/25</a:t>
+              <a:t>2019/11/18</a:t>
             </a:fld>
             <a:endParaRPr lang="zh-CN" altLang="en-US"/>
           </a:p>
@@ -5633,7 +5657,7 @@
           <a:p>
             <a:fld id="{530820CF-B880-4189-942D-D702A7CBA730}" type="datetimeFigureOut">
               <a:rPr lang="zh-CN" altLang="en-US" smtClean="0"/>
-              <a:t>2019/10/25</a:t>
+              <a:t>2019/11/18</a:t>
             </a:fld>
             <a:endParaRPr lang="zh-CN" altLang="en-US"/>
           </a:p>
@@ -11685,22 +11709,13 @@
                 <a:t>			</a:t>
               </a:r>
               <a:r>
-                <a:rPr lang="en-US" altLang="zh-CN" sz="2000" i="1" dirty="0" smtClean="0">
+                <a:rPr lang="en-US" altLang="zh-CN" sz="2000" i="1" dirty="0">
                   <a:solidFill>
                     <a:srgbClr val="FF0000"/>
                   </a:solidFill>
                   <a:latin typeface="Calibri" pitchFamily="34" charset="0"/>
                 </a:rPr>
-                <a:t>ail</a:t>
-              </a:r>
-              <a:r>
-                <a:rPr lang="en-US" altLang="zh-CN" sz="2000" dirty="0">
-                  <a:solidFill>
-                    <a:srgbClr val="FF0000"/>
-                  </a:solidFill>
-                  <a:latin typeface="Calibri" pitchFamily="34" charset="0"/>
-                </a:rPr>
-                <a:t>();</a:t>
+                <a:t>fail();</a:t>
               </a:r>
             </a:p>
             <a:p>
@@ -11897,7 +11912,7 @@
             </p:nvSpPr>
             <p:spPr bwMode="auto">
               <a:xfrm flipH="1" flipV="1">
-                <a:off x="2432" y="2579"/>
+                <a:off x="2432" y="2851"/>
                 <a:ext cx="776" cy="81"/>
               </a:xfrm>
               <a:prstGeom prst="line">
@@ -13112,10 +13127,10 @@
           </p:nvGrpSpPr>
           <p:grpSpPr bwMode="auto">
             <a:xfrm>
-              <a:off x="3045" y="1782"/>
-              <a:ext cx="1504" cy="657"/>
-              <a:chOff x="3045" y="1782"/>
-              <a:chExt cx="1504" cy="657"/>
+              <a:off x="2881" y="1782"/>
+              <a:ext cx="1668" cy="657"/>
+              <a:chOff x="2881" y="1782"/>
+              <a:chExt cx="1668" cy="657"/>
             </a:xfrm>
           </p:grpSpPr>
           <p:sp>
@@ -13203,9 +13218,9 @@
               <p:nvPr/>
             </p:nvSpPr>
             <p:spPr bwMode="auto">
-              <a:xfrm>
-                <a:off x="3045" y="1986"/>
-                <a:ext cx="408" cy="45"/>
+              <a:xfrm flipV="1">
+                <a:off x="2881" y="2031"/>
+                <a:ext cx="572" cy="408"/>
               </a:xfrm>
               <a:prstGeom prst="line">
                 <a:avLst/>
@@ -15813,46 +15828,50 @@
           <a:lstStyle/>
           <a:p>
             <a:r>
-              <a:rPr lang="zh-CN" altLang="en-US"/>
+              <a:rPr lang="zh-CN" altLang="en-US" dirty="0"/>
               <a:t>在</a:t>
             </a:r>
             <a:r>
-              <a:rPr lang="en-US" altLang="zh-CN"/>
+              <a:rPr lang="en-US" altLang="zh-CN" dirty="0"/>
               <a:t>assert</a:t>
             </a:r>
             <a:r>
-              <a:rPr lang="zh-CN" altLang="en-US"/>
+              <a:rPr lang="zh-CN" altLang="en-US" dirty="0"/>
               <a:t>调用中解释失败原因</a:t>
             </a:r>
           </a:p>
           <a:p>
             <a:pPr lvl="1"/>
             <a:r>
-              <a:rPr lang="zh-CN" altLang="en-US"/>
+              <a:rPr lang="zh-CN" altLang="en-US" dirty="0"/>
               <a:t>用到</a:t>
             </a:r>
             <a:r>
-              <a:rPr lang="en-US" altLang="zh-CN"/>
+              <a:rPr lang="en-US" altLang="zh-CN" dirty="0"/>
               <a:t>assert</a:t>
             </a:r>
             <a:r>
-              <a:rPr lang="zh-CN" altLang="en-US"/>
+              <a:rPr lang="zh-CN" altLang="en-US" dirty="0"/>
               <a:t>方法时，使用第一个参数是</a:t>
             </a:r>
             <a:r>
-              <a:rPr lang="en-US" altLang="zh-CN"/>
+              <a:rPr lang="en-US" altLang="zh-CN" dirty="0"/>
               <a:t>String</a:t>
             </a:r>
             <a:r>
-              <a:rPr lang="zh-CN" altLang="en-US"/>
+              <a:rPr lang="zh-CN" altLang="en-US" dirty="0"/>
               <a:t>类型的那个签名，这个参数让你可以提供一个有意义的文本描述，在断言失败时</a:t>
             </a:r>
             <a:r>
-              <a:rPr lang="en-US" altLang="zh-CN"/>
-              <a:t>JUnit test runner</a:t>
-            </a:r>
-            <a:r>
-              <a:rPr lang="zh-CN" altLang="en-US"/>
+              <a:rPr lang="en-US" altLang="zh-CN" dirty="0" err="1"/>
+              <a:t>JUnit</a:t>
+            </a:r>
+            <a:r>
+              <a:rPr lang="en-US" altLang="zh-CN" dirty="0"/>
+              <a:t> test runner</a:t>
+            </a:r>
+            <a:r>
+              <a:rPr lang="zh-CN" altLang="en-US" dirty="0"/>
               <a:t>会显示这个描述</a:t>
             </a:r>
           </a:p>
@@ -17158,7 +17177,15 @@
             </a:r>
             <a:r>
               <a:rPr lang="zh-CN" altLang="en-US" sz="2000" dirty="0"/>
-              <a:t>的运行测试的基础框架在，它定义了开发运行在这个测试框架上的</a:t>
+              <a:t>的运行测试的基础</a:t>
+            </a:r>
+            <a:r>
+              <a:rPr lang="zh-CN" altLang="en-US" sz="2000" dirty="0" smtClean="0"/>
+              <a:t>框架，</a:t>
+            </a:r>
+            <a:r>
+              <a:rPr lang="zh-CN" altLang="en-US" sz="2000" dirty="0"/>
+              <a:t>它定义了开发运行在这个测试框架上的</a:t>
             </a:r>
             <a:r>
               <a:rPr lang="en-US" altLang="zh-CN" sz="2000" dirty="0" err="1"/>
@@ -17610,7 +17637,7 @@
             <p:ph idx="1"/>
             <p:extLst>
               <p:ext uri="{D42A27DB-BD31-4B8C-83A1-F6EECF244321}">
-                <p14:modId xmlns:p14="http://schemas.microsoft.com/office/powerpoint/2010/main" val="4194925875"/>
+                <p14:modId xmlns:p14="http://schemas.microsoft.com/office/powerpoint/2010/main" val="787715813"/>
               </p:ext>
             </p:extLst>
           </p:nvPr>
@@ -18523,6 +18550,18 @@
                           <a:cs typeface="+mn-cs"/>
                         </a:rPr>
                         <a:t>注解方法之前。</a:t>
+                      </a:r>
+                      <a:r>
+                        <a:rPr lang="en-US" altLang="zh-CN" sz="1400" b="1" kern="1200" dirty="0" smtClean="0">
+                          <a:solidFill>
+                            <a:schemeClr val="dk1"/>
+                          </a:solidFill>
+                          <a:effectLst/>
+                          <a:latin typeface="楷体" panose="02010609060101010101" pitchFamily="49" charset="-122"/>
+                          <a:ea typeface="楷体" panose="02010609060101010101" pitchFamily="49" charset="-122"/>
+                          <a:cs typeface="+mn-cs"/>
+                        </a:rPr>
+                        <a:t>static</a:t>
                       </a:r>
                       <a:endParaRPr lang="zh-CN" altLang="en-US" sz="1400" b="1" kern="1200" dirty="0">
                         <a:solidFill>
